--- a/学习参照表.pptx
+++ b/学习参照表.pptx
@@ -4563,6 +4563,56 @@
                 <a:cs typeface="+mn-lt"/>
               </a:rPr>
               <a:t>书籍：百度网盘</a:t>
+            </a:r>
+            <a:r>
+              <a:rPr lang="en-US" altLang="zh-CN" sz="1000">
+                <a:solidFill>
+                  <a:schemeClr val="bg1"/>
+                </a:solidFill>
+                <a:ea typeface="微软雅黑" panose="020B0503020204020204" charset="-122"/>
+                <a:cs typeface="+mn-lt"/>
+              </a:rPr>
+              <a:t>/git</a:t>
+            </a:r>
+            <a:r>
+              <a:rPr lang="zh-CN" altLang="en-US" sz="1000">
+                <a:solidFill>
+                  <a:schemeClr val="bg1"/>
+                </a:solidFill>
+                <a:ea typeface="微软雅黑" panose="020B0503020204020204" charset="-122"/>
+                <a:cs typeface="+mn-lt"/>
+              </a:rPr>
+              <a:t>菜鸟教程</a:t>
+            </a:r>
+            <a:r>
+              <a:rPr lang="en-US" altLang="zh-CN" sz="1000">
+                <a:solidFill>
+                  <a:schemeClr val="bg1"/>
+                </a:solidFill>
+                <a:ea typeface="微软雅黑" panose="020B0503020204020204" charset="-122"/>
+                <a:cs typeface="+mn-lt"/>
+              </a:rPr>
+              <a:t>/linux</a:t>
+            </a:r>
+            <a:r>
+              <a:rPr lang="zh-CN" altLang="en-US" sz="1000">
+                <a:solidFill>
+                  <a:schemeClr val="bg1"/>
+                </a:solidFill>
+                <a:ea typeface="微软雅黑" panose="020B0503020204020204" charset="-122"/>
+                <a:cs typeface="+mn-lt"/>
+              </a:rPr>
+              <a:t>命令</a:t>
+            </a:r>
+            <a:r>
+              <a:rPr lang="zh-CN" altLang="en-US" sz="1000">
+                <a:solidFill>
+                  <a:schemeClr val="bg1"/>
+                </a:solidFill>
+                <a:ea typeface="微软雅黑" panose="020B0503020204020204" charset="-122"/>
+                <a:cs typeface="+mn-lt"/>
+              </a:rPr>
+              <a:t>菜鸟教程</a:t>
             </a:r>
             <a:endParaRPr lang="zh-CN" altLang="en-US" sz="1000">
               <a:solidFill>

--- a/学习参照表.pptx
+++ b/学习参照表.pptx
@@ -5554,6 +5554,101 @@
                         <a:cs typeface="微软雅黑" panose="020B0503020204020204" charset="-122"/>
                       </a:endParaRPr>
                     </a:p>
+                    <a:p>
+                      <a:pPr>
+                        <a:buNone/>
+                      </a:pPr>
+                      <a:r>
+                        <a:rPr lang="en-US" altLang="zh-CN" sz="1000">
+                          <a:solidFill>
+                            <a:schemeClr val="tx1"/>
+                          </a:solidFill>
+                          <a:latin typeface="微软雅黑" panose="020B0503020204020204" charset="-122"/>
+                          <a:ea typeface="微软雅黑" panose="020B0503020204020204" charset="-122"/>
+                          <a:cs typeface="微软雅黑" panose="020B0503020204020204" charset="-122"/>
+                          <a:sym typeface="+mn-ea"/>
+                        </a:rPr>
+                        <a:t>excel</a:t>
+                      </a:r>
+                      <a:r>
+                        <a:rPr lang="zh-CN" altLang="en-US" sz="1000">
+                          <a:solidFill>
+                            <a:schemeClr val="tx1"/>
+                          </a:solidFill>
+                          <a:latin typeface="微软雅黑" panose="020B0503020204020204" charset="-122"/>
+                          <a:ea typeface="微软雅黑" panose="020B0503020204020204" charset="-122"/>
+                          <a:cs typeface="微软雅黑" panose="020B0503020204020204" charset="-122"/>
+                          <a:sym typeface="+mn-ea"/>
+                        </a:rPr>
+                        <a:t>使用</a:t>
+                      </a:r>
+                      <a:endParaRPr lang="zh-CN" altLang="en-US" sz="1000">
+                        <a:solidFill>
+                          <a:schemeClr val="tx1"/>
+                        </a:solidFill>
+                        <a:latin typeface="微软雅黑" panose="020B0503020204020204" charset="-122"/>
+                        <a:ea typeface="微软雅黑" panose="020B0503020204020204" charset="-122"/>
+                        <a:cs typeface="微软雅黑" panose="020B0503020204020204" charset="-122"/>
+                        <a:sym typeface="+mn-ea"/>
+                      </a:endParaRPr>
+                    </a:p>
+                    <a:p>
+                      <a:pPr>
+                        <a:buNone/>
+                      </a:pPr>
+                      <a:r>
+                        <a:rPr lang="en-US" altLang="zh-CN" sz="1000">
+                          <a:solidFill>
+                            <a:schemeClr val="tx1"/>
+                          </a:solidFill>
+                          <a:latin typeface="微软雅黑" panose="020B0503020204020204" charset="-122"/>
+                          <a:ea typeface="微软雅黑" panose="020B0503020204020204" charset="-122"/>
+                          <a:cs typeface="微软雅黑" panose="020B0503020204020204" charset="-122"/>
+                        </a:rPr>
+                        <a:t>python</a:t>
+                      </a:r>
+                      <a:r>
+                        <a:rPr lang="zh-CN" altLang="en-US" sz="1000">
+                          <a:solidFill>
+                            <a:schemeClr val="tx1"/>
+                          </a:solidFill>
+                          <a:latin typeface="微软雅黑" panose="020B0503020204020204" charset="-122"/>
+                          <a:ea typeface="微软雅黑" panose="020B0503020204020204" charset="-122"/>
+                          <a:cs typeface="微软雅黑" panose="020B0503020204020204" charset="-122"/>
+                        </a:rPr>
+                        <a:t>和</a:t>
+                      </a:r>
+                      <a:r>
+                        <a:rPr lang="en-US" altLang="zh-CN" sz="1000">
+                          <a:solidFill>
+                            <a:schemeClr val="tx1"/>
+                          </a:solidFill>
+                          <a:latin typeface="微软雅黑" panose="020B0503020204020204" charset="-122"/>
+                          <a:ea typeface="微软雅黑" panose="020B0503020204020204" charset="-122"/>
+                          <a:cs typeface="微软雅黑" panose="020B0503020204020204" charset="-122"/>
+                        </a:rPr>
+                        <a:t>excel</a:t>
+                      </a:r>
+                      <a:r>
+                        <a:rPr lang="zh-CN" altLang="en-US" sz="1000">
+                          <a:solidFill>
+                            <a:schemeClr val="tx1"/>
+                          </a:solidFill>
+                          <a:latin typeface="微软雅黑" panose="020B0503020204020204" charset="-122"/>
+                          <a:ea typeface="微软雅黑" panose="020B0503020204020204" charset="-122"/>
+                          <a:cs typeface="微软雅黑" panose="020B0503020204020204" charset="-122"/>
+                        </a:rPr>
+                        <a:t>连用</a:t>
+                      </a:r>
+                      <a:endParaRPr lang="zh-CN" altLang="en-US" sz="1000">
+                        <a:solidFill>
+                          <a:schemeClr val="tx1"/>
+                        </a:solidFill>
+                        <a:latin typeface="微软雅黑" panose="020B0503020204020204" charset="-122"/>
+                        <a:ea typeface="微软雅黑" panose="020B0503020204020204" charset="-122"/>
+                        <a:cs typeface="微软雅黑" panose="020B0503020204020204" charset="-122"/>
+                      </a:endParaRPr>
+                    </a:p>
                   </a:txBody>
                   <a:tcPr>
                     <a:solidFill>
@@ -5753,7 +5848,7 @@
                   </a:tcPr>
                 </a:tc>
               </a:tr>
-              <a:tr h="721360">
+              <a:tr h="836295">
                 <a:tc>
                   <a:txBody>
                     <a:bodyPr/>
@@ -5932,6 +6027,23 @@
                         </a:rPr>
                         <a:t>熟练：接口测试、web自动化、性能测试工具的使用</a:t>
                       </a:r>
+                      <a:endParaRPr lang="zh-CN" altLang="en-US" sz="1000">
+                        <a:solidFill>
+                          <a:schemeClr val="tx1"/>
+                        </a:solidFill>
+                        <a:latin typeface="微软雅黑" panose="020B0503020204020204" charset="-122"/>
+                        <a:ea typeface="微软雅黑" panose="020B0503020204020204" charset="-122"/>
+                        <a:cs typeface="微软雅黑" panose="020B0503020204020204" charset="-122"/>
+                        <a:sym typeface="+mn-ea"/>
+                      </a:endParaRPr>
+                    </a:p>
+                    <a:p>
+                      <a:pPr algn="l">
+                        <a:buClrTx/>
+                        <a:buSzTx/>
+                        <a:buFontTx/>
+                        <a:buNone/>
+                      </a:pPr>
                       <a:endParaRPr lang="zh-CN" altLang="en-US" sz="1000">
                         <a:solidFill>
                           <a:schemeClr val="tx1"/>

--- a/学习参照表.pptx
+++ b/学习参照表.pptx
@@ -4446,9 +4446,13 @@
             </a:r>
             <a:r>
               <a:rPr lang="zh-CN" altLang="en-US"/>
-              <a:t>途径</a:t>
-            </a:r>
-            <a:endParaRPr lang="zh-CN" altLang="en-US"/>
+              <a:t>途径：</a:t>
+            </a:r>
+            <a:r>
+              <a:rPr lang="zh-CN" altLang="en-US" sz="1400"/>
+              <a:t>刷题检测</a:t>
+            </a:r>
+            <a:endParaRPr lang="zh-CN" altLang="en-US" sz="1400"/>
           </a:p>
         </p:txBody>
       </p:sp>
@@ -5388,7 +5392,7 @@
         </p:nvGraphicFramePr>
         <p:xfrm>
           <a:off x="9707880" y="1077595"/>
-          <a:ext cx="4438650" cy="5579745"/>
+          <a:ext cx="4438650" cy="5694680"/>
         </p:xfrm>
         <a:graphic>
           <a:graphicData uri="http://schemas.openxmlformats.org/drawingml/2006/table">
@@ -5695,6 +5699,22 @@
                         <a:t>mysql基础操作（增删改查、连接等）</a:t>
                       </a:r>
                       <a:endParaRPr lang="zh-CN" altLang="en-US" sz="1000">
+                        <a:solidFill>
+                          <a:schemeClr val="tx1"/>
+                        </a:solidFill>
+                        <a:latin typeface="微软雅黑" panose="020B0503020204020204" charset="-122"/>
+                        <a:ea typeface="微软雅黑" panose="020B0503020204020204" charset="-122"/>
+                        <a:cs typeface="微软雅黑" panose="020B0503020204020204" charset="-122"/>
+                      </a:endParaRPr>
+                    </a:p>
+                    <a:p>
+                      <a:pPr algn="l">
+                        <a:buClrTx/>
+                        <a:buSzTx/>
+                        <a:buFontTx/>
+                        <a:buNone/>
+                      </a:pPr>
+                      <a:endParaRPr lang="en-US" altLang="zh-CN" sz="1000">
                         <a:solidFill>
                           <a:schemeClr val="tx1"/>
                         </a:solidFill>
@@ -6318,7 +6338,7 @@
         </p:nvGraphicFramePr>
         <p:xfrm>
           <a:off x="400685" y="1045845"/>
-          <a:ext cx="3200400" cy="5633720"/>
+          <a:ext cx="3200400" cy="5648325"/>
         </p:xfrm>
         <a:graphic>
           <a:graphicData uri="http://schemas.openxmlformats.org/drawingml/2006/table">
@@ -6367,7 +6387,25 @@
                       <a:pPr>
                         <a:buNone/>
                       </a:pPr>
-                      <a:endParaRPr lang="zh-CN" altLang="en-US"/>
+                      <a:r>
+                        <a:rPr lang="en-US" altLang="zh-CN" sz="1400"/>
+                        <a:t>git</a:t>
+                      </a:r>
+                      <a:r>
+                        <a:rPr lang="zh-CN" altLang="en-US" sz="1400"/>
+                        <a:t>已学完</a:t>
+                      </a:r>
+                      <a:endParaRPr lang="zh-CN" altLang="en-US" sz="1400"/>
+                    </a:p>
+                    <a:p>
+                      <a:pPr>
+                        <a:buNone/>
+                      </a:pPr>
+                      <a:r>
+                        <a:rPr lang="en-US" altLang="zh-CN" sz="1400"/>
+                        <a:t>10/12</a:t>
+                      </a:r>
+                      <a:endParaRPr lang="en-US" altLang="zh-CN" sz="1400"/>
                     </a:p>
                   </a:txBody>
                   <a:tcPr/>
@@ -6499,7 +6537,7 @@
                   <a:tcPr/>
                 </a:tc>
               </a:tr>
-              <a:tr h="704215">
+              <a:tr h="718820">
                 <a:tc>
                   <a:txBody>
                     <a:bodyPr/>

--- a/学习参照表.pptx
+++ b/学习参照表.pptx
@@ -5,10 +5,11 @@
     <p:sldMasterId id="2147483648" r:id="rId1"/>
   </p:sldMasterIdLst>
   <p:notesMasterIdLst>
-    <p:notesMasterId r:id="rId4"/>
+    <p:notesMasterId r:id="rId5"/>
   </p:notesMasterIdLst>
   <p:sldIdLst>
     <p:sldId id="256" r:id="rId3"/>
+    <p:sldId id="257" r:id="rId4"/>
   </p:sldIdLst>
   <p:sldSz cx="14399895" cy="7199630"/>
   <p:notesSz cx="6858000" cy="9144000"/>
@@ -5519,7 +5520,7 @@
                   </a:tcPr>
                 </a:tc>
               </a:tr>
-              <a:tr h="617220">
+              <a:tr h="790575">
                 <a:tc>
                   <a:txBody>
                     <a:bodyPr/>
@@ -6024,7 +6025,7 @@
                   </a:tcPr>
                 </a:tc>
               </a:tr>
-              <a:tr h="720725">
+              <a:tr h="547370">
                 <a:tc>
                   <a:txBody>
                     <a:bodyPr/>
@@ -6338,7 +6339,7 @@
         </p:nvGraphicFramePr>
         <p:xfrm>
           <a:off x="400685" y="1045845"/>
-          <a:ext cx="3200400" cy="5648325"/>
+          <a:ext cx="3200400" cy="5661025"/>
         </p:xfrm>
         <a:graphic>
           <a:graphicData uri="http://schemas.openxmlformats.org/drawingml/2006/table">
@@ -6356,14 +6357,17 @@
                   <a:txBody>
                     <a:bodyPr/>
                     <a:p>
-                      <a:pPr>
+                      <a:pPr algn="l">
+                        <a:buClrTx/>
+                        <a:buSzTx/>
+                        <a:buFontTx/>
                         <a:buNone/>
                       </a:pPr>
                       <a:r>
-                        <a:rPr lang="en-US" altLang="zh-CN"/>
+                        <a:rPr lang="en-US" altLang="zh-CN" sz="1400"/>
                         <a:t>10/31</a:t>
                       </a:r>
-                      <a:endParaRPr lang="en-US" altLang="zh-CN"/>
+                      <a:endParaRPr lang="en-US" altLang="zh-CN" sz="1400"/>
                     </a:p>
                   </a:txBody>
                   <a:tcPr/>
@@ -6372,10 +6376,23 @@
                   <a:txBody>
                     <a:bodyPr/>
                     <a:p>
-                      <a:pPr>
+                      <a:pPr algn="l">
+                        <a:buClrTx/>
+                        <a:buSzTx/>
+                        <a:buFontTx/>
                         <a:buNone/>
                       </a:pPr>
-                      <a:endParaRPr lang="zh-CN" altLang="en-US" sz="1000"/>
+                      <a:r>
+                        <a:rPr lang="en-US" altLang="zh-CN" sz="1400"/>
+                        <a:t>Linux基本命令已学完</a:t>
+                      </a:r>
+                      <a:r>
+                        <a:rPr lang="en-US" altLang="zh-CN" sz="1400">
+                          <a:sym typeface="+mn-ea"/>
+                        </a:rPr>
+                        <a:t>10/31</a:t>
+                      </a:r>
+                      <a:endParaRPr lang="en-US" altLang="zh-CN" sz="1400"/>
                     </a:p>
                   </a:txBody>
                   <a:tcPr/>
@@ -6435,6 +6452,22 @@
                       <a:pPr>
                         <a:buNone/>
                       </a:pPr>
+                      <a:r>
+                        <a:rPr lang="zh-CN" altLang="en-US" sz="1000"/>
+                        <a:t>看了</a:t>
+                      </a:r>
+                      <a:r>
+                        <a:rPr lang="en-US" altLang="zh-CN" sz="1000"/>
+                        <a:t>9</a:t>
+                      </a:r>
+                      <a:r>
+                        <a:rPr lang="zh-CN" altLang="en-US" sz="1000"/>
+                        <a:t>个视频，</a:t>
+                      </a:r>
+                      <a:r>
+                        <a:rPr lang="zh-CN" altLang="en-US" sz="1000"/>
+                        <a:t>操作符</a:t>
+                      </a:r>
                       <a:endParaRPr lang="zh-CN" altLang="en-US" sz="1000"/>
                     </a:p>
                   </a:txBody>
@@ -6453,7 +6486,7 @@
                   <a:tcPr/>
                 </a:tc>
               </a:tr>
-              <a:tr h="704215">
+              <a:tr h="689610">
                 <a:tc>
                   <a:txBody>
                     <a:bodyPr/>
@@ -6474,10 +6507,17 @@
                   <a:txBody>
                     <a:bodyPr/>
                     <a:p>
-                      <a:pPr>
+                      <a:pPr algn="l">
+                        <a:buClrTx/>
+                        <a:buSzTx/>
+                        <a:buFontTx/>
                         <a:buNone/>
                       </a:pPr>
-                      <a:endParaRPr lang="zh-CN" altLang="en-US"/>
+                      <a:r>
+                        <a:rPr lang="zh-CN" altLang="en-US" sz="1000"/>
+                        <a:t>基本查询已学完，牛客网练习题正在做</a:t>
+                      </a:r>
+                      <a:endParaRPr lang="zh-CN" altLang="en-US" sz="1000"/>
                     </a:p>
                   </a:txBody>
                   <a:tcPr/>
@@ -6709,6 +6749,193 @@
           </a:graphicData>
         </a:graphic>
       </p:graphicFrame>
+    </p:spTree>
+  </p:cSld>
+  <p:clrMapOvr>
+    <a:masterClrMapping/>
+  </p:clrMapOvr>
+</p:sld>
+</file>
+
+<file path=ppt/slides/slide2.xml><?xml version="1.0" encoding="utf-8"?>
+<p:sld xmlns:a="http://schemas.openxmlformats.org/drawingml/2006/main" xmlns:r="http://schemas.openxmlformats.org/officeDocument/2006/relationships" xmlns:p="http://schemas.openxmlformats.org/presentationml/2006/main">
+  <p:cSld>
+    <p:spTree>
+      <p:nvGrpSpPr>
+        <p:cNvPr id="1" name=""/>
+        <p:cNvGrpSpPr/>
+        <p:nvPr/>
+      </p:nvGrpSpPr>
+      <p:grpSpPr/>
+      <p:sp>
+        <p:nvSpPr>
+          <p:cNvPr id="2" name="文本框 1"/>
+          <p:cNvSpPr txBox="1"/>
+          <p:nvPr/>
+        </p:nvSpPr>
+        <p:spPr>
+          <a:xfrm>
+            <a:off x="1174115" y="981075"/>
+            <a:ext cx="12794615" cy="3692525"/>
+          </a:xfrm>
+          <a:prstGeom prst="rect">
+            <a:avLst/>
+          </a:prstGeom>
+          <a:noFill/>
+        </p:spPr>
+        <p:txBody>
+          <a:bodyPr wrap="square" rtlCol="0">
+            <a:spAutoFit/>
+          </a:bodyPr>
+          <a:p>
+            <a:r>
+              <a:rPr lang="zh-CN" altLang="en-US"/>
+              <a:t>一个月过去了要改进的点</a:t>
+            </a:r>
+            <a:r>
+              <a:rPr lang="zh-CN" altLang="en-US"/>
+              <a:t>如下：</a:t>
+            </a:r>
+            <a:endParaRPr lang="zh-CN" altLang="en-US"/>
+          </a:p>
+          <a:p>
+            <a:r>
+              <a:rPr lang="en-US" altLang="zh-CN"/>
+              <a:t> 1</a:t>
+            </a:r>
+            <a:r>
+              <a:rPr lang="zh-CN" altLang="en-US"/>
+              <a:t>、每天都必须学习，且学习时间要保证大于</a:t>
+            </a:r>
+            <a:r>
+              <a:rPr lang="en-US" altLang="zh-CN"/>
+              <a:t>2</a:t>
+            </a:r>
+            <a:r>
+              <a:rPr lang="zh-CN" altLang="en-US"/>
+              <a:t>小时</a:t>
+            </a:r>
+            <a:endParaRPr lang="zh-CN" altLang="en-US"/>
+          </a:p>
+          <a:p>
+            <a:r>
+              <a:rPr lang="en-US" altLang="zh-CN"/>
+              <a:t>2</a:t>
+            </a:r>
+            <a:r>
+              <a:rPr lang="zh-CN" altLang="en-US"/>
+              <a:t>、提高</a:t>
+            </a:r>
+            <a:r>
+              <a:rPr lang="zh-CN" altLang="en-US"/>
+              <a:t>学习效率</a:t>
+            </a:r>
+            <a:endParaRPr lang="zh-CN" altLang="en-US"/>
+          </a:p>
+          <a:p>
+            <a:r>
+              <a:rPr lang="en-US" altLang="zh-CN"/>
+              <a:t>3</a:t>
+            </a:r>
+            <a:r>
+              <a:rPr lang="zh-CN" altLang="en-US"/>
+              <a:t>、每过一段时间就要</a:t>
+            </a:r>
+            <a:r>
+              <a:rPr lang="zh-CN" altLang="en-US"/>
+              <a:t>复习</a:t>
+            </a:r>
+            <a:endParaRPr lang="zh-CN" altLang="en-US"/>
+          </a:p>
+          <a:p>
+            <a:r>
+              <a:rPr lang="en-US" altLang="zh-CN"/>
+              <a:t>4</a:t>
+            </a:r>
+            <a:r>
+              <a:rPr lang="zh-CN" altLang="en-US"/>
+              <a:t>、多写多用多</a:t>
+            </a:r>
+            <a:r>
+              <a:rPr lang="zh-CN" altLang="en-US"/>
+              <a:t>实践</a:t>
+            </a:r>
+            <a:endParaRPr lang="zh-CN" altLang="en-US"/>
+          </a:p>
+          <a:p>
+            <a:endParaRPr lang="zh-CN" altLang="en-US"/>
+          </a:p>
+          <a:p>
+            <a:endParaRPr lang="zh-CN" altLang="en-US"/>
+          </a:p>
+          <a:p>
+            <a:endParaRPr lang="zh-CN" altLang="en-US"/>
+          </a:p>
+          <a:p>
+            <a:endParaRPr lang="zh-CN" altLang="en-US"/>
+          </a:p>
+          <a:p>
+            <a:endParaRPr lang="zh-CN" altLang="en-US"/>
+          </a:p>
+          <a:p>
+            <a:endParaRPr lang="zh-CN" altLang="en-US"/>
+          </a:p>
+          <a:p>
+            <a:r>
+              <a:rPr lang="zh-CN" altLang="en-US"/>
+              <a:t>近期目标</a:t>
+            </a:r>
+            <a:r>
+              <a:rPr lang="en-US" altLang="zh-CN"/>
+              <a:t>11</a:t>
+            </a:r>
+            <a:r>
+              <a:rPr lang="zh-CN" altLang="en-US"/>
+              <a:t>月</a:t>
+            </a:r>
+            <a:r>
+              <a:rPr lang="zh-CN" altLang="en-US"/>
+              <a:t>底：</a:t>
+            </a:r>
+            <a:endParaRPr lang="zh-CN" altLang="en-US"/>
+          </a:p>
+          <a:p>
+            <a:r>
+              <a:rPr lang="zh-CN" altLang="en-US"/>
+              <a:t>学完</a:t>
+            </a:r>
+            <a:r>
+              <a:rPr lang="en-US" altLang="zh-CN"/>
+              <a:t>python</a:t>
+            </a:r>
+            <a:r>
+              <a:rPr lang="zh-CN" altLang="en-US"/>
+              <a:t>，</a:t>
+            </a:r>
+            <a:r>
+              <a:rPr lang="en-US" altLang="zh-CN"/>
+              <a:t>mysql</a:t>
+            </a:r>
+            <a:r>
+              <a:rPr lang="zh-CN" altLang="en-US"/>
+              <a:t>，</a:t>
+            </a:r>
+            <a:r>
+              <a:rPr lang="en-US" altLang="zh-CN"/>
+              <a:t>linux</a:t>
+            </a:r>
+            <a:r>
+              <a:rPr lang="zh-CN" altLang="en-US"/>
+              <a:t>复习</a:t>
+            </a:r>
+            <a:r>
+              <a:rPr lang="en-US" altLang="zh-CN"/>
+              <a:t> </a:t>
+            </a:r>
+            <a:endParaRPr lang="zh-CN" altLang="en-US"/>
+          </a:p>
+        </p:txBody>
+      </p:sp>
     </p:spTree>
   </p:cSld>
   <p:clrMapOvr>
